--- a/PDF-Diff.pptx
+++ b/PDF-Diff.pptx
@@ -266,7 +266,7 @@
           <a:p>
             <a:fld id="{D771D080-37A6-F24B-B78D-17FAB3D256E5}" type="datetimeFigureOut">
               <a:rPr lang="en-US" smtClean="0"/>
-              <a:t>6/1/2020</a:t>
+              <a:t>4/27/2023</a:t>
             </a:fld>
             <a:endParaRPr lang="en-US"/>
           </a:p>
@@ -431,7 +431,7 @@
           <a:p>
             <a:fld id="{3E2484F9-5844-A041-990A-4DB2EC6CDB70}" type="datetimeFigureOut">
               <a:rPr lang="en-US" smtClean="0"/>
-              <a:t>6/1/2020</a:t>
+              <a:t>4/27/2023</a:t>
             </a:fld>
             <a:endParaRPr lang="en-US"/>
           </a:p>
@@ -11479,16 +11479,12 @@
           <a:p>
             <a:pPr algn="ctr"/>
             <a:r>
-              <a:rPr lang="en-US" sz="5400" dirty="0" err="1" smtClean="0"/>
+              <a:rPr lang="en-US" sz="5400" dirty="0" err="1"/>
               <a:t>PDFDiff</a:t>
             </a:r>
             <a:r>
-              <a:rPr lang="en-US" sz="5400" dirty="0" smtClean="0"/>
-              <a:t> </a:t>
-            </a:r>
-            <a:r>
               <a:rPr lang="en-US" sz="5400" dirty="0"/>
-              <a:t>tool</a:t>
+              <a:t> tool</a:t>
             </a:r>
           </a:p>
         </p:txBody>
@@ -11563,13 +11559,6 @@
   <p:clrMapOvr>
     <a:masterClrMapping/>
   </p:clrMapOvr>
-  <p:timing>
-    <p:tnLst>
-      <p:par>
-        <p:cTn id="1" dur="indefinite" restart="never" nodeType="tmRoot"/>
-      </p:par>
-    </p:tnLst>
-  </p:timing>
 </p:sld>
 </file>
 
@@ -11708,13 +11697,6 @@
   <p:clrMapOvr>
     <a:masterClrMapping/>
   </p:clrMapOvr>
-  <p:timing>
-    <p:tnLst>
-      <p:par>
-        <p:cTn id="1" dur="indefinite" restart="never" nodeType="tmRoot"/>
-      </p:par>
-    </p:tnLst>
-  </p:timing>
 </p:sld>
 </file>
 
@@ -11842,13 +11824,6 @@
   <p:clrMapOvr>
     <a:masterClrMapping/>
   </p:clrMapOvr>
-  <p:timing>
-    <p:tnLst>
-      <p:par>
-        <p:cTn id="1" dur="indefinite" restart="never" nodeType="tmRoot"/>
-      </p:par>
-    </p:tnLst>
-  </p:timing>
 </p:sld>
 </file>
 
@@ -11943,16 +11918,12 @@
           <a:p>
             <a:r>
               <a:rPr lang="en-US" sz="1800" dirty="0"/>
-              <a:t>Tool is capable of comparing text only (graphs and images are not compared</a:t>
-            </a:r>
-            <a:r>
-              <a:rPr lang="en-US" sz="1800" dirty="0" smtClean="0"/>
-              <a:t>)</a:t>
-            </a:r>
-          </a:p>
-          <a:p>
-            <a:r>
-              <a:rPr lang="en-US" sz="1800" dirty="0" smtClean="0"/>
+              <a:t>Tool is capable of comparing text only (graphs and images are not compared)</a:t>
+            </a:r>
+          </a:p>
+          <a:p>
+            <a:r>
+              <a:rPr lang="en-US" sz="1800" dirty="0"/>
               <a:t>Tool is not capable to read the text, if pdf is generated by web page by pressing the ‘ctrl+p’</a:t>
             </a:r>
             <a:endParaRPr lang="en-US" sz="1800" b="1" dirty="0">
@@ -11973,13 +11944,6 @@
   <p:clrMapOvr>
     <a:masterClrMapping/>
   </p:clrMapOvr>
-  <p:timing>
-    <p:tnLst>
-      <p:par>
-        <p:cTn id="1" dur="indefinite" restart="never" nodeType="tmRoot"/>
-      </p:par>
-    </p:tnLst>
-  </p:timing>
 </p:sld>
 </file>
 
@@ -12147,13 +12111,6 @@
   <p:clrMapOvr>
     <a:masterClrMapping/>
   </p:clrMapOvr>
-  <p:timing>
-    <p:tnLst>
-      <p:par>
-        <p:cTn id="1" dur="indefinite" restart="never" nodeType="tmRoot"/>
-      </p:par>
-    </p:tnLst>
-  </p:timing>
 </p:sld>
 </file>
 
